--- a/小组会议20181120.pptx
+++ b/小组会议20181120.pptx
@@ -231,7 +231,7 @@
           <a:p>
             <a:fld id="{E86D8963-CFCD-4740-AF60-049850373CDF}" type="datetimeFigureOut">
               <a:rPr lang="zh-CN" altLang="en-US" smtClean="0"/>
-              <a:t>2018/11/11</a:t>
+              <a:t>2018/11/13</a:t>
             </a:fld>
             <a:endParaRPr lang="zh-CN" altLang="en-US"/>
           </a:p>
@@ -1995,7 +1995,7 @@
             <a:fld id="{6489D9C7-5DC6-4263-87FF-7C99F6FB63C3}" type="datetime1">
               <a:rPr lang="zh-CN" altLang="en-US" smtClean="0"/>
               <a:pPr/>
-              <a:t>2018/11/11</a:t>
+              <a:t>2018/11/13</a:t>
             </a:fld>
             <a:endParaRPr lang="zh-CN" altLang="en-US"/>
           </a:p>
@@ -2141,7 +2141,7 @@
             <a:fld id="{6489D9C7-5DC6-4263-87FF-7C99F6FB63C3}" type="datetime1">
               <a:rPr lang="zh-CN" altLang="en-US" smtClean="0"/>
               <a:pPr/>
-              <a:t>2018/11/11</a:t>
+              <a:t>2018/11/13</a:t>
             </a:fld>
             <a:endParaRPr lang="zh-CN" altLang="en-US"/>
           </a:p>
@@ -2617,7 +2617,7 @@
             <a:fld id="{6489D9C7-5DC6-4263-87FF-7C99F6FB63C3}" type="datetime1">
               <a:rPr lang="zh-CN" altLang="en-US" smtClean="0"/>
               <a:pPr/>
-              <a:t>2018/11/11</a:t>
+              <a:t>2018/11/13</a:t>
             </a:fld>
             <a:endParaRPr lang="zh-CN" altLang="en-US"/>
           </a:p>
@@ -3187,7 +3187,7 @@
           <a:p>
             <a:r>
               <a:rPr lang="en-US" altLang="zh-CN" sz="2400" dirty="0"/>
-              <a:t>2018/11/20</a:t>
+              <a:t>2018/11/13</a:t>
             </a:r>
             <a:endParaRPr lang="en-US" altLang="en-US" sz="2400" dirty="0"/>
           </a:p>
@@ -6163,7 +6163,15 @@
                 <a:ea typeface="华文宋体" panose="02010600040101010101" pitchFamily="2" charset="-122"/>
                 <a:cs typeface="Arial" panose="020B0604020202020204" pitchFamily="34" charset="0"/>
               </a:rPr>
-              <a:t>当前存在的大多数的组推荐系统使用预定义好的策略来进行推荐</a:t>
+              <a:t>当前存在的大多数的组推荐系统使用预定义好的策略</a:t>
+            </a:r>
+            <a:r>
+              <a:rPr lang="zh-CN" altLang="en-US" sz="2000">
+                <a:latin typeface="华文宋体" panose="02010600040101010101" pitchFamily="2" charset="-122"/>
+                <a:ea typeface="华文宋体" panose="02010600040101010101" pitchFamily="2" charset="-122"/>
+                <a:cs typeface="Arial" panose="020B0604020202020204" pitchFamily="34" charset="0"/>
+              </a:rPr>
+              <a:t>来进行组推荐</a:t>
             </a:r>
             <a:r>
               <a:rPr lang="en-US" altLang="zh-CN" sz="2000" dirty="0">
